--- a/PPTprojetWEB.pptx
+++ b/PPTprojetWEB.pptx
@@ -4785,7 +4785,7 @@
           <a:p>
             <a:fld id="{8F1B69E8-23E9-4C1F-AA2B-3C5BA6EDBEAE}" type="datetimeFigureOut">
               <a:rPr lang="en-US" smtClean="0"/>
-              <a:t>03/05/18</a:t>
+              <a:t>05/05/18</a:t>
             </a:fld>
             <a:endParaRPr lang="en-US"/>
           </a:p>
@@ -5159,7 +5159,7 @@
           <a:p>
             <a:fld id="{8F1B69E8-23E9-4C1F-AA2B-3C5BA6EDBEAE}" type="datetimeFigureOut">
               <a:rPr lang="en-US" smtClean="0"/>
-              <a:t>03/05/18</a:t>
+              <a:t>05/05/18</a:t>
             </a:fld>
             <a:endParaRPr lang="en-US"/>
           </a:p>
@@ -5536,7 +5536,7 @@
           <a:p>
             <a:fld id="{8F1B69E8-23E9-4C1F-AA2B-3C5BA6EDBEAE}" type="datetimeFigureOut">
               <a:rPr lang="en-US" smtClean="0"/>
-              <a:t>03/05/18</a:t>
+              <a:t>05/05/18</a:t>
             </a:fld>
             <a:endParaRPr lang="en-US"/>
           </a:p>
@@ -6045,7 +6045,7 @@
           <a:p>
             <a:fld id="{8F1B69E8-23E9-4C1F-AA2B-3C5BA6EDBEAE}" type="datetimeFigureOut">
               <a:rPr lang="en-US" smtClean="0"/>
-              <a:t>03/05/18</a:t>
+              <a:t>05/05/18</a:t>
             </a:fld>
             <a:endParaRPr lang="en-US"/>
           </a:p>
@@ -6286,7 +6286,7 @@
           <a:p>
             <a:fld id="{8F1B69E8-23E9-4C1F-AA2B-3C5BA6EDBEAE}" type="datetimeFigureOut">
               <a:rPr lang="en-US" smtClean="0"/>
-              <a:t>03/05/18</a:t>
+              <a:t>05/05/18</a:t>
             </a:fld>
             <a:endParaRPr lang="en-US"/>
           </a:p>
@@ -6517,7 +6517,7 @@
           <a:p>
             <a:fld id="{8F1B69E8-23E9-4C1F-AA2B-3C5BA6EDBEAE}" type="datetimeFigureOut">
               <a:rPr lang="en-US" smtClean="0"/>
-              <a:t>03/05/18</a:t>
+              <a:t>05/05/18</a:t>
             </a:fld>
             <a:endParaRPr lang="en-US"/>
           </a:p>
@@ -13873,7 +13873,7 @@
           <a:p>
             <a:fld id="{8F1B69E8-23E9-4C1F-AA2B-3C5BA6EDBEAE}" type="datetimeFigureOut">
               <a:rPr lang="en-US" smtClean="0"/>
-              <a:t>03/05/18</a:t>
+              <a:t>05/05/18</a:t>
             </a:fld>
             <a:endParaRPr lang="en-US"/>
           </a:p>
@@ -14410,7 +14410,7 @@
           <a:p>
             <a:fld id="{8F1B69E8-23E9-4C1F-AA2B-3C5BA6EDBEAE}" type="datetimeFigureOut">
               <a:rPr lang="en-US" smtClean="0"/>
-              <a:t>03/05/18</a:t>
+              <a:t>05/05/18</a:t>
             </a:fld>
             <a:endParaRPr lang="en-US"/>
           </a:p>
@@ -14585,7 +14585,7 @@
           <a:p>
             <a:fld id="{8F1B69E8-23E9-4C1F-AA2B-3C5BA6EDBEAE}" type="datetimeFigureOut">
               <a:rPr lang="en-US" smtClean="0"/>
-              <a:t>03/05/18</a:t>
+              <a:t>05/05/18</a:t>
             </a:fld>
             <a:endParaRPr lang="en-US"/>
           </a:p>
@@ -14675,7 +14675,7 @@
           <a:p>
             <a:fld id="{8F1B69E8-23E9-4C1F-AA2B-3C5BA6EDBEAE}" type="datetimeFigureOut">
               <a:rPr lang="en-US" smtClean="0"/>
-              <a:t>03/05/18</a:t>
+              <a:t>05/05/18</a:t>
             </a:fld>
             <a:endParaRPr lang="en-US"/>
           </a:p>
@@ -15011,7 +15011,7 @@
           <a:p>
             <a:fld id="{8F1B69E8-23E9-4C1F-AA2B-3C5BA6EDBEAE}" type="datetimeFigureOut">
               <a:rPr lang="en-US" smtClean="0"/>
-              <a:t>03/05/18</a:t>
+              <a:t>05/05/18</a:t>
             </a:fld>
             <a:endParaRPr lang="en-US"/>
           </a:p>
@@ -16431,7 +16431,7 @@
           <a:p>
             <a:fld id="{8F1B69E8-23E9-4C1F-AA2B-3C5BA6EDBEAE}" type="datetimeFigureOut">
               <a:rPr lang="en-US" smtClean="0"/>
-              <a:t>03/05/18</a:t>
+              <a:t>05/05/18</a:t>
             </a:fld>
             <a:endParaRPr lang="en-US"/>
           </a:p>
@@ -17009,14 +17009,6 @@
               </a:rPr>
               <a:t>ECE Paris </a:t>
             </a:r>
-            <a:endParaRPr lang="fr-FR" sz="3600" dirty="0">
-              <a:solidFill>
-                <a:schemeClr val="accent3">
-                  <a:lumMod val="60000"/>
-                  <a:lumOff val="40000"/>
-                </a:schemeClr>
-              </a:solidFill>
-            </a:endParaRPr>
           </a:p>
         </p:txBody>
       </p:sp>
@@ -17315,6 +17307,44 @@
           </a:p>
         </p:txBody>
       </p:sp>
+      <p:pic>
+        <p:nvPicPr>
+          <p:cNvPr id="3" name="Image 2" descr="Capture d’écran 2018-05-05 à 11.36.29.png"/>
+          <p:cNvPicPr>
+            <a:picLocks noChangeAspect="1"/>
+          </p:cNvPicPr>
+          <p:nvPr/>
+        </p:nvPicPr>
+        <p:blipFill>
+          <a:blip r:embed="rId2">
+            <a:extLst>
+              <a:ext uri="{28A0092B-C50C-407E-A947-70E740481C1C}">
+                <a14:useLocalDpi xmlns:a14="http://schemas.microsoft.com/office/drawing/2010/main" val="0"/>
+              </a:ext>
+            </a:extLst>
+          </a:blip>
+          <a:stretch>
+            <a:fillRect/>
+          </a:stretch>
+        </p:blipFill>
+        <p:spPr>
+          <a:xfrm>
+            <a:off x="406400" y="505860"/>
+            <a:ext cx="8229600" cy="4957281"/>
+          </a:xfrm>
+          <a:prstGeom prst="rect">
+            <a:avLst/>
+          </a:prstGeom>
+          <a:ln w="28575" cmpd="sng">
+            <a:solidFill>
+              <a:schemeClr val="accent3">
+                <a:lumMod val="60000"/>
+                <a:lumOff val="40000"/>
+              </a:schemeClr>
+            </a:solidFill>
+          </a:ln>
+        </p:spPr>
+      </p:pic>
     </p:spTree>
     <p:extLst>
       <p:ext uri="{BB962C8B-B14F-4D97-AF65-F5344CB8AC3E}">
@@ -17581,8 +17611,29 @@
                   <a:srgbClr val="FFFFFF"/>
                 </a:solidFill>
               </a:rPr>
-              <a:t>Bilan1</a:t>
+              <a:t>Progrès en </a:t>
             </a:r>
+            <a:r>
+              <a:rPr lang="fr-FR" dirty="0" err="1" smtClean="0">
+                <a:solidFill>
+                  <a:srgbClr val="FFFFFF"/>
+                </a:solidFill>
+              </a:rPr>
+              <a:t>php</a:t>
+            </a:r>
+            <a:r>
+              <a:rPr lang="fr-FR" dirty="0" smtClean="0">
+                <a:solidFill>
+                  <a:srgbClr val="FFFFFF"/>
+                </a:solidFill>
+              </a:rPr>
+              <a:t> et SQL</a:t>
+            </a:r>
+            <a:endParaRPr lang="fr-FR" dirty="0" smtClean="0">
+              <a:solidFill>
+                <a:srgbClr val="FFFFFF"/>
+              </a:solidFill>
+            </a:endParaRPr>
           </a:p>
           <a:p>
             <a:pPr marL="342900" indent="-342900">
@@ -17598,8 +17649,13 @@
                   <a:srgbClr val="FFFFFF"/>
                 </a:solidFill>
               </a:rPr>
-              <a:t>Bilan2</a:t>
+              <a:t>Travail satisfaisant en temps limité</a:t>
             </a:r>
+            <a:endParaRPr lang="fr-FR" dirty="0" smtClean="0">
+              <a:solidFill>
+                <a:srgbClr val="FFFFFF"/>
+              </a:solidFill>
+            </a:endParaRPr>
           </a:p>
           <a:p>
             <a:pPr marL="342900" indent="-342900">
@@ -17615,7 +17671,7 @@
                   <a:srgbClr val="FFFFFF"/>
                 </a:solidFill>
               </a:rPr>
-              <a:t>Bilan3</a:t>
+              <a:t>Efficacité du travail en équipe</a:t>
             </a:r>
             <a:endParaRPr lang="fr-FR" sz="2000" dirty="0" smtClean="0">
               <a:solidFill>
@@ -17649,30 +17705,18 @@
               <a:buChar char="-"/>
             </a:pPr>
             <a:r>
-              <a:rPr lang="fr-FR" dirty="0">
+              <a:rPr lang="fr-FR" dirty="0" smtClean="0">
                 <a:solidFill>
                   <a:srgbClr val="FFFFFF"/>
                 </a:solidFill>
               </a:rPr>
-              <a:t>Bilan1</a:t>
+              <a:t>Mise en application des TP</a:t>
             </a:r>
-          </a:p>
-          <a:p>
-            <a:pPr marL="342900" indent="-342900">
-              <a:lnSpc>
-                <a:spcPct val="90000"/>
-              </a:lnSpc>
-              <a:buFontTx/>
-              <a:buChar char="-"/>
-            </a:pPr>
-            <a:r>
-              <a:rPr lang="fr-FR" dirty="0">
-                <a:solidFill>
-                  <a:srgbClr val="FFFFFF"/>
-                </a:solidFill>
-              </a:rPr>
-              <a:t>Bilan2</a:t>
-            </a:r>
+            <a:endParaRPr lang="fr-FR" dirty="0">
+              <a:solidFill>
+                <a:srgbClr val="FFFFFF"/>
+              </a:solidFill>
+            </a:endParaRPr>
           </a:p>
           <a:p>
             <a:pPr marL="342900" indent="-342900">
@@ -17688,7 +17732,53 @@
                   <a:srgbClr val="FFFFFF"/>
                 </a:solidFill>
               </a:rPr>
-              <a:t>Bilan3</a:t>
+              <a:t>G</a:t>
+            </a:r>
+            <a:r>
+              <a:rPr lang="fr-FR" dirty="0" smtClean="0">
+                <a:solidFill>
+                  <a:srgbClr val="FFFFFF"/>
+                </a:solidFill>
+              </a:rPr>
+              <a:t>estion optimale des fichiers gr</a:t>
+            </a:r>
+            <a:r>
+              <a:rPr lang="fr-FR" dirty="0" smtClean="0">
+                <a:solidFill>
+                  <a:srgbClr val="FFFFFF"/>
+                </a:solidFill>
+              </a:rPr>
+              <a:t>âce à </a:t>
+            </a:r>
+            <a:r>
+              <a:rPr lang="fr-FR" dirty="0" err="1" smtClean="0">
+                <a:solidFill>
+                  <a:srgbClr val="FFFFFF"/>
+                </a:solidFill>
+              </a:rPr>
+              <a:t>GitHub</a:t>
+            </a:r>
+            <a:endParaRPr lang="fr-FR" dirty="0">
+              <a:solidFill>
+                <a:srgbClr val="FFFFFF"/>
+              </a:solidFill>
+            </a:endParaRPr>
+          </a:p>
+          <a:p>
+            <a:pPr marL="342900" indent="-342900">
+              <a:lnSpc>
+                <a:spcPct val="90000"/>
+              </a:lnSpc>
+              <a:buFontTx/>
+              <a:buChar char="-"/>
+            </a:pPr>
+            <a:r>
+              <a:rPr lang="fr-FR" sz="2000" dirty="0" smtClean="0">
+                <a:solidFill>
+                  <a:srgbClr val="FFFFFF"/>
+                </a:solidFill>
+              </a:rPr>
+              <a:t>Liens entre la base de données et les actions du client</a:t>
             </a:r>
             <a:endParaRPr lang="fr-FR" sz="2000" dirty="0" smtClean="0">
               <a:solidFill>
@@ -17727,15 +17817,7 @@
                   <a:srgbClr val="FFFFFF"/>
                 </a:solidFill>
               </a:rPr>
-              <a:t>Gestion des priorités par rapports aux différentes t</a:t>
-            </a:r>
-            <a:r>
-              <a:rPr lang="fr-FR" dirty="0" smtClean="0">
-                <a:solidFill>
-                  <a:srgbClr val="FFFFFF"/>
-                </a:solidFill>
-              </a:rPr>
-              <a:t>âches</a:t>
+              <a:t>Gestion des priorités par rapports aux différentes tâches</a:t>
             </a:r>
             <a:endParaRPr lang="fr-FR" dirty="0">
               <a:solidFill>
@@ -17779,15 +17861,7 @@
                   <a:srgbClr val="FFFFFF"/>
                 </a:solidFill>
               </a:rPr>
-              <a:t>Entraide dans l’élaboration </a:t>
-            </a:r>
-            <a:r>
-              <a:rPr lang="fr-FR" smtClean="0">
-                <a:solidFill>
-                  <a:srgbClr val="FFFFFF"/>
-                </a:solidFill>
-              </a:rPr>
-              <a:t>du code</a:t>
+              <a:t>Entraide dans l’élaboration du code</a:t>
             </a:r>
             <a:endParaRPr lang="fr-FR" sz="2000" dirty="0">
               <a:solidFill>
@@ -18487,6 +18561,41 @@
           </a:p>
         </p:txBody>
       </p:sp>
+      <p:pic>
+        <p:nvPicPr>
+          <p:cNvPr id="4" name="Image 3" descr="Capture d’écran 2018-05-05 à 11.40.32.png"/>
+          <p:cNvPicPr>
+            <a:picLocks noChangeAspect="1"/>
+          </p:cNvPicPr>
+          <p:nvPr/>
+        </p:nvPicPr>
+        <p:blipFill>
+          <a:blip r:embed="rId2">
+            <a:extLst>
+              <a:ext uri="{28A0092B-C50C-407E-A947-70E740481C1C}">
+                <a14:useLocalDpi xmlns:a14="http://schemas.microsoft.com/office/drawing/2010/main" val="0"/>
+              </a:ext>
+            </a:extLst>
+          </a:blip>
+          <a:stretch>
+            <a:fillRect/>
+          </a:stretch>
+        </p:blipFill>
+        <p:spPr>
+          <a:xfrm>
+            <a:off x="1165039" y="203200"/>
+            <a:ext cx="6890122" cy="5044736"/>
+          </a:xfrm>
+          <a:prstGeom prst="rect">
+            <a:avLst/>
+          </a:prstGeom>
+          <a:ln w="28575" cmpd="sng">
+            <a:solidFill>
+              <a:srgbClr val="FFE066"/>
+            </a:solidFill>
+          </a:ln>
+        </p:spPr>
+      </p:pic>
     </p:spTree>
     <p:extLst>
       <p:ext uri="{BB962C8B-B14F-4D97-AF65-F5344CB8AC3E}">
@@ -18615,6 +18724,41 @@
           </a:p>
         </p:txBody>
       </p:sp>
+      <p:pic>
+        <p:nvPicPr>
+          <p:cNvPr id="3" name="Image 2" descr="Capture d’écran 2018-05-05 à 16.17.53.png"/>
+          <p:cNvPicPr>
+            <a:picLocks noChangeAspect="1"/>
+          </p:cNvPicPr>
+          <p:nvPr/>
+        </p:nvPicPr>
+        <p:blipFill>
+          <a:blip r:embed="rId2">
+            <a:extLst>
+              <a:ext uri="{28A0092B-C50C-407E-A947-70E740481C1C}">
+                <a14:useLocalDpi xmlns:a14="http://schemas.microsoft.com/office/drawing/2010/main" val="0"/>
+              </a:ext>
+            </a:extLst>
+          </a:blip>
+          <a:stretch>
+            <a:fillRect/>
+          </a:stretch>
+        </p:blipFill>
+        <p:spPr>
+          <a:xfrm>
+            <a:off x="757351" y="531119"/>
+            <a:ext cx="7643813" cy="4668365"/>
+          </a:xfrm>
+          <a:prstGeom prst="rect">
+            <a:avLst/>
+          </a:prstGeom>
+          <a:ln w="38100" cmpd="sng">
+            <a:solidFill>
+              <a:srgbClr val="FFE066"/>
+            </a:solidFill>
+          </a:ln>
+        </p:spPr>
+      </p:pic>
     </p:spTree>
     <p:extLst>
       <p:ext uri="{BB962C8B-B14F-4D97-AF65-F5344CB8AC3E}">
@@ -18660,8 +18804,8 @@
         </p:nvSpPr>
         <p:spPr>
           <a:xfrm>
-            <a:off x="1417587" y="5247936"/>
-            <a:ext cx="4390946" cy="1261884"/>
+            <a:off x="923763" y="5247936"/>
+            <a:ext cx="5378596" cy="1261884"/>
           </a:xfrm>
           <a:prstGeom prst="rect">
             <a:avLst/>
@@ -18717,7 +18861,19 @@
                   <a:reflection blurRad="6350" stA="55000" endA="50" endPos="85000" dir="5400000" sy="-100000" algn="bl" rotWithShape="0"/>
                 </a:effectLst>
               </a:rPr>
-              <a:t>(1/3)</a:t>
+              <a:t>Connexion et Accueil (</a:t>
+            </a:r>
+            <a:r>
+              <a:rPr lang="fr-FR" sz="3200" b="1" dirty="0" smtClean="0">
+                <a:ln/>
+                <a:solidFill>
+                  <a:schemeClr val="accent3"/>
+                </a:solidFill>
+                <a:effectLst>
+                  <a:reflection blurRad="6350" stA="55000" endA="50" endPos="85000" dir="5400000" sy="-100000" algn="bl" rotWithShape="0"/>
+                </a:effectLst>
+              </a:rPr>
+              <a:t>1/3)</a:t>
             </a:r>
             <a:endParaRPr lang="fr-FR" sz="3200" b="1" dirty="0">
               <a:ln/>
@@ -18731,6 +18887,76 @@
           </a:p>
         </p:txBody>
       </p:sp>
+      <p:pic>
+        <p:nvPicPr>
+          <p:cNvPr id="3" name="Image 2" descr="Capture d’écran 2018-05-05 à 16.11.53.png"/>
+          <p:cNvPicPr>
+            <a:picLocks noChangeAspect="1"/>
+          </p:cNvPicPr>
+          <p:nvPr/>
+        </p:nvPicPr>
+        <p:blipFill>
+          <a:blip r:embed="rId2">
+            <a:extLst>
+              <a:ext uri="{28A0092B-C50C-407E-A947-70E740481C1C}">
+                <a14:useLocalDpi xmlns:a14="http://schemas.microsoft.com/office/drawing/2010/main" val="0"/>
+              </a:ext>
+            </a:extLst>
+          </a:blip>
+          <a:stretch>
+            <a:fillRect/>
+          </a:stretch>
+        </p:blipFill>
+        <p:spPr>
+          <a:xfrm>
+            <a:off x="121319" y="569804"/>
+            <a:ext cx="4193234" cy="3923509"/>
+          </a:xfrm>
+          <a:prstGeom prst="rect">
+            <a:avLst/>
+          </a:prstGeom>
+          <a:ln w="38100" cmpd="sng">
+            <a:solidFill>
+              <a:srgbClr val="FFE066"/>
+            </a:solidFill>
+          </a:ln>
+        </p:spPr>
+      </p:pic>
+      <p:pic>
+        <p:nvPicPr>
+          <p:cNvPr id="4" name="Image 3" descr="Capture d’écran 2018-05-05 à 16.12.14.png"/>
+          <p:cNvPicPr>
+            <a:picLocks noChangeAspect="1"/>
+          </p:cNvPicPr>
+          <p:nvPr/>
+        </p:nvPicPr>
+        <p:blipFill>
+          <a:blip r:embed="rId3">
+            <a:extLst>
+              <a:ext uri="{28A0092B-C50C-407E-A947-70E740481C1C}">
+                <a14:useLocalDpi xmlns:a14="http://schemas.microsoft.com/office/drawing/2010/main" val="0"/>
+              </a:ext>
+            </a:extLst>
+          </a:blip>
+          <a:stretch>
+            <a:fillRect/>
+          </a:stretch>
+        </p:blipFill>
+        <p:spPr>
+          <a:xfrm>
+            <a:off x="4786709" y="1487228"/>
+            <a:ext cx="4173841" cy="3760708"/>
+          </a:xfrm>
+          <a:prstGeom prst="rect">
+            <a:avLst/>
+          </a:prstGeom>
+          <a:ln w="38100" cmpd="sng">
+            <a:solidFill>
+              <a:srgbClr val="FFE066"/>
+            </a:solidFill>
+          </a:ln>
+        </p:spPr>
+      </p:pic>
     </p:spTree>
     <p:extLst>
       <p:ext uri="{BB962C8B-B14F-4D97-AF65-F5344CB8AC3E}">
@@ -18776,8 +19002,8 @@
         </p:nvSpPr>
         <p:spPr>
           <a:xfrm>
-            <a:off x="1417587" y="5247936"/>
-            <a:ext cx="4390946" cy="1261884"/>
+            <a:off x="1074645" y="5247936"/>
+            <a:ext cx="5076830" cy="1261884"/>
           </a:xfrm>
           <a:prstGeom prst="rect">
             <a:avLst/>
@@ -18833,7 +19059,19 @@
                   <a:reflection blurRad="6350" stA="55000" endA="50" endPos="85000" dir="5400000" sy="-100000" algn="bl" rotWithShape="0"/>
                 </a:effectLst>
               </a:rPr>
-              <a:t>(2/3)</a:t>
+              <a:t>Mon réseau et Vous (</a:t>
+            </a:r>
+            <a:r>
+              <a:rPr lang="fr-FR" sz="3200" b="1" dirty="0" smtClean="0">
+                <a:ln/>
+                <a:solidFill>
+                  <a:schemeClr val="accent3"/>
+                </a:solidFill>
+                <a:effectLst>
+                  <a:reflection blurRad="6350" stA="55000" endA="50" endPos="85000" dir="5400000" sy="-100000" algn="bl" rotWithShape="0"/>
+                </a:effectLst>
+              </a:rPr>
+              <a:t>2/3)</a:t>
             </a:r>
             <a:endParaRPr lang="fr-FR" sz="3200" b="1" dirty="0">
               <a:ln/>
@@ -18847,6 +19085,76 @@
           </a:p>
         </p:txBody>
       </p:sp>
+      <p:pic>
+        <p:nvPicPr>
+          <p:cNvPr id="3" name="Image 2" descr="Capture d’écran 2018-05-05 à 16.12.35.png"/>
+          <p:cNvPicPr>
+            <a:picLocks noChangeAspect="1"/>
+          </p:cNvPicPr>
+          <p:nvPr/>
+        </p:nvPicPr>
+        <p:blipFill>
+          <a:blip r:embed="rId2">
+            <a:extLst>
+              <a:ext uri="{28A0092B-C50C-407E-A947-70E740481C1C}">
+                <a14:useLocalDpi xmlns:a14="http://schemas.microsoft.com/office/drawing/2010/main" val="0"/>
+              </a:ext>
+            </a:extLst>
+          </a:blip>
+          <a:stretch>
+            <a:fillRect/>
+          </a:stretch>
+        </p:blipFill>
+        <p:spPr>
+          <a:xfrm>
+            <a:off x="407034" y="244202"/>
+            <a:ext cx="3988923" cy="3467665"/>
+          </a:xfrm>
+          <a:prstGeom prst="rect">
+            <a:avLst/>
+          </a:prstGeom>
+          <a:ln w="38100" cmpd="sng">
+            <a:solidFill>
+              <a:srgbClr val="FFE066"/>
+            </a:solidFill>
+          </a:ln>
+        </p:spPr>
+      </p:pic>
+      <p:pic>
+        <p:nvPicPr>
+          <p:cNvPr id="4" name="Image 3" descr="Capture d’écran 2018-05-05 à 16.12.47.png"/>
+          <p:cNvPicPr>
+            <a:picLocks noChangeAspect="1"/>
+          </p:cNvPicPr>
+          <p:nvPr/>
+        </p:nvPicPr>
+        <p:blipFill>
+          <a:blip r:embed="rId3">
+            <a:extLst>
+              <a:ext uri="{28A0092B-C50C-407E-A947-70E740481C1C}">
+                <a14:useLocalDpi xmlns:a14="http://schemas.microsoft.com/office/drawing/2010/main" val="0"/>
+              </a:ext>
+            </a:extLst>
+          </a:blip>
+          <a:stretch>
+            <a:fillRect/>
+          </a:stretch>
+        </p:blipFill>
+        <p:spPr>
+          <a:xfrm>
+            <a:off x="4526209" y="2096314"/>
+            <a:ext cx="4222589" cy="3231105"/>
+          </a:xfrm>
+          <a:prstGeom prst="rect">
+            <a:avLst/>
+          </a:prstGeom>
+          <a:ln w="38100" cmpd="sng">
+            <a:solidFill>
+              <a:srgbClr val="FFE066"/>
+            </a:solidFill>
+          </a:ln>
+        </p:spPr>
+      </p:pic>
     </p:spTree>
     <p:extLst>
       <p:ext uri="{BB962C8B-B14F-4D97-AF65-F5344CB8AC3E}">
@@ -18892,8 +19200,8 @@
         </p:nvSpPr>
         <p:spPr>
           <a:xfrm>
-            <a:off x="1417587" y="5247936"/>
-            <a:ext cx="4390946" cy="1261884"/>
+            <a:off x="723288" y="5247936"/>
+            <a:ext cx="5779547" cy="1261884"/>
           </a:xfrm>
           <a:prstGeom prst="rect">
             <a:avLst/>
@@ -18949,7 +19257,19 @@
                   <a:reflection blurRad="6350" stA="55000" endA="50" endPos="85000" dir="5400000" sy="-100000" algn="bl" rotWithShape="0"/>
                 </a:effectLst>
               </a:rPr>
-              <a:t>(3/3)</a:t>
+              <a:t>Notifications et Emplois(</a:t>
+            </a:r>
+            <a:r>
+              <a:rPr lang="fr-FR" sz="3200" b="1" dirty="0" smtClean="0">
+                <a:ln/>
+                <a:solidFill>
+                  <a:schemeClr val="accent3"/>
+                </a:solidFill>
+                <a:effectLst>
+                  <a:reflection blurRad="6350" stA="55000" endA="50" endPos="85000" dir="5400000" sy="-100000" algn="bl" rotWithShape="0"/>
+                </a:effectLst>
+              </a:rPr>
+              <a:t>3/3)</a:t>
             </a:r>
             <a:endParaRPr lang="fr-FR" sz="3200" b="1" dirty="0">
               <a:ln/>
@@ -18963,6 +19283,76 @@
           </a:p>
         </p:txBody>
       </p:sp>
+      <p:pic>
+        <p:nvPicPr>
+          <p:cNvPr id="3" name="Image 2" descr="Capture d’écran 2018-05-05 à 16.12.58.png"/>
+          <p:cNvPicPr>
+            <a:picLocks noChangeAspect="1"/>
+          </p:cNvPicPr>
+          <p:nvPr/>
+        </p:nvPicPr>
+        <p:blipFill>
+          <a:blip r:embed="rId2">
+            <a:extLst>
+              <a:ext uri="{28A0092B-C50C-407E-A947-70E740481C1C}">
+                <a14:useLocalDpi xmlns:a14="http://schemas.microsoft.com/office/drawing/2010/main" val="0"/>
+              </a:ext>
+            </a:extLst>
+          </a:blip>
+          <a:stretch>
+            <a:fillRect/>
+          </a:stretch>
+        </p:blipFill>
+        <p:spPr>
+          <a:xfrm>
+            <a:off x="423314" y="179083"/>
+            <a:ext cx="3923799" cy="3418824"/>
+          </a:xfrm>
+          <a:prstGeom prst="rect">
+            <a:avLst/>
+          </a:prstGeom>
+          <a:ln w="38100" cmpd="sng">
+            <a:solidFill>
+              <a:srgbClr val="FFE066"/>
+            </a:solidFill>
+          </a:ln>
+        </p:spPr>
+      </p:pic>
+      <p:pic>
+        <p:nvPicPr>
+          <p:cNvPr id="4" name="Image 3" descr="Capture d’écran 2018-05-05 à 16.13.07.png"/>
+          <p:cNvPicPr>
+            <a:picLocks noChangeAspect="1"/>
+          </p:cNvPicPr>
+          <p:nvPr/>
+        </p:nvPicPr>
+        <p:blipFill>
+          <a:blip r:embed="rId3">
+            <a:extLst>
+              <a:ext uri="{28A0092B-C50C-407E-A947-70E740481C1C}">
+                <a14:useLocalDpi xmlns:a14="http://schemas.microsoft.com/office/drawing/2010/main" val="0"/>
+              </a:ext>
+            </a:extLst>
+          </a:blip>
+          <a:stretch>
+            <a:fillRect/>
+          </a:stretch>
+        </p:blipFill>
+        <p:spPr>
+          <a:xfrm>
+            <a:off x="4705304" y="1698870"/>
+            <a:ext cx="4020974" cy="3549066"/>
+          </a:xfrm>
+          <a:prstGeom prst="rect">
+            <a:avLst/>
+          </a:prstGeom>
+          <a:ln w="38100" cmpd="sng">
+            <a:solidFill>
+              <a:srgbClr val="FFE066"/>
+            </a:solidFill>
+          </a:ln>
+        </p:spPr>
+      </p:pic>
     </p:spTree>
     <p:extLst>
       <p:ext uri="{BB962C8B-B14F-4D97-AF65-F5344CB8AC3E}">
